--- a/curso_Ciência_de_Dados_aula_02_pandas.pptx
+++ b/curso_Ciência_de_Dados_aula_02_pandas.pptx
@@ -278,7 +278,7 @@
           <a:p>
             <a:fld id="{1159DB25-801D-4199-B625-2C9BDE8516A2}" type="datetimeFigureOut">
               <a:rPr lang="pt-BR" smtClean="0"/>
-              <a:t>30/01/2023</a:t>
+              <a:t>31/01/2023</a:t>
             </a:fld>
             <a:endParaRPr lang="pt-BR"/>
           </a:p>
@@ -476,7 +476,7 @@
           <a:p>
             <a:fld id="{1159DB25-801D-4199-B625-2C9BDE8516A2}" type="datetimeFigureOut">
               <a:rPr lang="pt-BR" smtClean="0"/>
-              <a:t>30/01/2023</a:t>
+              <a:t>31/01/2023</a:t>
             </a:fld>
             <a:endParaRPr lang="pt-BR"/>
           </a:p>
@@ -684,7 +684,7 @@
           <a:p>
             <a:fld id="{1159DB25-801D-4199-B625-2C9BDE8516A2}" type="datetimeFigureOut">
               <a:rPr lang="pt-BR" smtClean="0"/>
-              <a:t>30/01/2023</a:t>
+              <a:t>31/01/2023</a:t>
             </a:fld>
             <a:endParaRPr lang="pt-BR"/>
           </a:p>
@@ -882,7 +882,7 @@
           <a:p>
             <a:fld id="{1159DB25-801D-4199-B625-2C9BDE8516A2}" type="datetimeFigureOut">
               <a:rPr lang="pt-BR" smtClean="0"/>
-              <a:t>30/01/2023</a:t>
+              <a:t>31/01/2023</a:t>
             </a:fld>
             <a:endParaRPr lang="pt-BR"/>
           </a:p>
@@ -1157,7 +1157,7 @@
           <a:p>
             <a:fld id="{1159DB25-801D-4199-B625-2C9BDE8516A2}" type="datetimeFigureOut">
               <a:rPr lang="pt-BR" smtClean="0"/>
-              <a:t>30/01/2023</a:t>
+              <a:t>31/01/2023</a:t>
             </a:fld>
             <a:endParaRPr lang="pt-BR"/>
           </a:p>
@@ -1422,7 +1422,7 @@
           <a:p>
             <a:fld id="{1159DB25-801D-4199-B625-2C9BDE8516A2}" type="datetimeFigureOut">
               <a:rPr lang="pt-BR" smtClean="0"/>
-              <a:t>30/01/2023</a:t>
+              <a:t>31/01/2023</a:t>
             </a:fld>
             <a:endParaRPr lang="pt-BR"/>
           </a:p>
@@ -1834,7 +1834,7 @@
           <a:p>
             <a:fld id="{1159DB25-801D-4199-B625-2C9BDE8516A2}" type="datetimeFigureOut">
               <a:rPr lang="pt-BR" smtClean="0"/>
-              <a:t>30/01/2023</a:t>
+              <a:t>31/01/2023</a:t>
             </a:fld>
             <a:endParaRPr lang="pt-BR"/>
           </a:p>
@@ -1975,7 +1975,7 @@
           <a:p>
             <a:fld id="{1159DB25-801D-4199-B625-2C9BDE8516A2}" type="datetimeFigureOut">
               <a:rPr lang="pt-BR" smtClean="0"/>
-              <a:t>30/01/2023</a:t>
+              <a:t>31/01/2023</a:t>
             </a:fld>
             <a:endParaRPr lang="pt-BR"/>
           </a:p>
@@ -2088,7 +2088,7 @@
           <a:p>
             <a:fld id="{1159DB25-801D-4199-B625-2C9BDE8516A2}" type="datetimeFigureOut">
               <a:rPr lang="pt-BR" smtClean="0"/>
-              <a:t>30/01/2023</a:t>
+              <a:t>31/01/2023</a:t>
             </a:fld>
             <a:endParaRPr lang="pt-BR"/>
           </a:p>
@@ -2399,7 +2399,7 @@
           <a:p>
             <a:fld id="{1159DB25-801D-4199-B625-2C9BDE8516A2}" type="datetimeFigureOut">
               <a:rPr lang="pt-BR" smtClean="0"/>
-              <a:t>30/01/2023</a:t>
+              <a:t>31/01/2023</a:t>
             </a:fld>
             <a:endParaRPr lang="pt-BR"/>
           </a:p>
@@ -2687,7 +2687,7 @@
           <a:p>
             <a:fld id="{1159DB25-801D-4199-B625-2C9BDE8516A2}" type="datetimeFigureOut">
               <a:rPr lang="pt-BR" smtClean="0"/>
-              <a:t>30/01/2023</a:t>
+              <a:t>31/01/2023</a:t>
             </a:fld>
             <a:endParaRPr lang="pt-BR"/>
           </a:p>
@@ -2928,7 +2928,7 @@
           <a:p>
             <a:fld id="{1159DB25-801D-4199-B625-2C9BDE8516A2}" type="datetimeFigureOut">
               <a:rPr lang="pt-BR" smtClean="0"/>
-              <a:t>30/01/2023</a:t>
+              <a:t>31/01/2023</a:t>
             </a:fld>
             <a:endParaRPr lang="pt-BR"/>
           </a:p>
@@ -3504,6 +3504,29 @@
               <a:buNone/>
             </a:pPr>
             <a:r>
+              <a:rPr lang="pt-BR" dirty="0"/>
+              <a:t>Vamos usar a função </a:t>
+            </a:r>
+            <a:r>
+              <a:rPr lang="pt-BR" dirty="0" err="1"/>
+              <a:t>map</a:t>
+            </a:r>
+            <a:r>
+              <a:rPr lang="pt-BR" dirty="0"/>
+              <a:t> para alterar a 1ª letra do nome das pessoas para maiúscula.</a:t>
+            </a:r>
+          </a:p>
+          <a:p>
+            <a:pPr marL="0" indent="0">
+              <a:buNone/>
+            </a:pPr>
+            <a:endParaRPr lang="pt-BR" dirty="0"/>
+          </a:p>
+          <a:p>
+            <a:pPr marL="0" indent="0">
+              <a:buNone/>
+            </a:pPr>
+            <a:r>
               <a:rPr lang="pt-BR" dirty="0" err="1"/>
               <a:t>df</a:t>
             </a:r>
@@ -3795,7 +3818,15 @@
             </a:r>
             <a:r>
               <a:rPr lang="pt-BR" dirty="0"/>
-              <a:t> não está no padrão y-m-d.</a:t>
+              <a:t> não está no padrão do </a:t>
+            </a:r>
+            <a:r>
+              <a:rPr lang="pt-BR" dirty="0" err="1"/>
+              <a:t>python</a:t>
+            </a:r>
+            <a:r>
+              <a:rPr lang="pt-BR" dirty="0"/>
+              <a:t>: y-m-d.</a:t>
             </a:r>
           </a:p>
           <a:p>
@@ -5355,8 +5386,50 @@
         </p:nvSpPr>
         <p:spPr/>
         <p:txBody>
-          <a:bodyPr/>
-          <a:lstStyle/>
+          <a:bodyPr>
+            <a:normAutofit/>
+          </a:bodyPr>
+          <a:lstStyle/>
+          <a:p>
+            <a:pPr marL="0" indent="0">
+              <a:buNone/>
+            </a:pPr>
+            <a:r>
+              <a:rPr lang="pt-BR" dirty="0"/>
+              <a:t>Para verificar a lista de colunas de uma </a:t>
+            </a:r>
+            <a:r>
+              <a:rPr lang="pt-BR" dirty="0" err="1"/>
+              <a:t>dataframe</a:t>
+            </a:r>
+            <a:r>
+              <a:rPr lang="pt-BR" dirty="0"/>
+              <a:t> digite:</a:t>
+            </a:r>
+          </a:p>
+          <a:p>
+            <a:pPr marL="0" indent="0">
+              <a:buNone/>
+            </a:pPr>
+            <a:r>
+              <a:rPr lang="pt-BR" dirty="0"/>
+              <a:t>print(</a:t>
+            </a:r>
+            <a:r>
+              <a:rPr lang="pt-BR" dirty="0" err="1"/>
+              <a:t>df.columns</a:t>
+            </a:r>
+            <a:r>
+              <a:rPr lang="pt-BR" dirty="0"/>
+              <a:t>)</a:t>
+            </a:r>
+          </a:p>
+          <a:p>
+            <a:pPr marL="0" indent="0">
+              <a:buNone/>
+            </a:pPr>
+            <a:endParaRPr lang="pt-BR" dirty="0"/>
+          </a:p>
           <a:p>
             <a:pPr marL="0" indent="0">
               <a:buNone/>
@@ -6211,7 +6284,7 @@
             </a:r>
             <a:r>
               <a:rPr lang="pt-BR" dirty="0"/>
-              <a:t>['peso']/ (</a:t>
+              <a:t>['peso’] / (</a:t>
             </a:r>
             <a:r>
               <a:rPr lang="pt-BR" dirty="0" err="1"/>
